--- a/06_납품현황/2017/04_부산용홈만w몰/02_SerialNumber/부산 w몰 전광판 구성.pptx
+++ b/06_납품현황/2017/04_부산용홈만w몰/02_SerialNumber/부산 w몰 전광판 구성.pptx
@@ -250,7 +250,7 @@
           <a:p>
             <a:fld id="{0E659420-4C1C-4DAB-847A-BA038E71BC62}" type="datetimeFigureOut">
               <a:rPr lang="ko-KR" altLang="en-US" smtClean="0"/>
-              <a:t>2018-03-27</a:t>
+              <a:t>2018-03-30</a:t>
             </a:fld>
             <a:endParaRPr lang="ko-KR" altLang="en-US"/>
           </a:p>
@@ -420,7 +420,7 @@
           <a:p>
             <a:fld id="{0E659420-4C1C-4DAB-847A-BA038E71BC62}" type="datetimeFigureOut">
               <a:rPr lang="ko-KR" altLang="en-US" smtClean="0"/>
-              <a:t>2018-03-27</a:t>
+              <a:t>2018-03-30</a:t>
             </a:fld>
             <a:endParaRPr lang="ko-KR" altLang="en-US"/>
           </a:p>
@@ -600,7 +600,7 @@
           <a:p>
             <a:fld id="{0E659420-4C1C-4DAB-847A-BA038E71BC62}" type="datetimeFigureOut">
               <a:rPr lang="ko-KR" altLang="en-US" smtClean="0"/>
-              <a:t>2018-03-27</a:t>
+              <a:t>2018-03-30</a:t>
             </a:fld>
             <a:endParaRPr lang="ko-KR" altLang="en-US"/>
           </a:p>
@@ -770,7 +770,7 @@
           <a:p>
             <a:fld id="{0E659420-4C1C-4DAB-847A-BA038E71BC62}" type="datetimeFigureOut">
               <a:rPr lang="ko-KR" altLang="en-US" smtClean="0"/>
-              <a:t>2018-03-27</a:t>
+              <a:t>2018-03-30</a:t>
             </a:fld>
             <a:endParaRPr lang="ko-KR" altLang="en-US"/>
           </a:p>
@@ -1016,7 +1016,7 @@
           <a:p>
             <a:fld id="{0E659420-4C1C-4DAB-847A-BA038E71BC62}" type="datetimeFigureOut">
               <a:rPr lang="ko-KR" altLang="en-US" smtClean="0"/>
-              <a:t>2018-03-27</a:t>
+              <a:t>2018-03-30</a:t>
             </a:fld>
             <a:endParaRPr lang="ko-KR" altLang="en-US"/>
           </a:p>
@@ -1248,7 +1248,7 @@
           <a:p>
             <a:fld id="{0E659420-4C1C-4DAB-847A-BA038E71BC62}" type="datetimeFigureOut">
               <a:rPr lang="ko-KR" altLang="en-US" smtClean="0"/>
-              <a:t>2018-03-27</a:t>
+              <a:t>2018-03-30</a:t>
             </a:fld>
             <a:endParaRPr lang="ko-KR" altLang="en-US"/>
           </a:p>
@@ -1615,7 +1615,7 @@
           <a:p>
             <a:fld id="{0E659420-4C1C-4DAB-847A-BA038E71BC62}" type="datetimeFigureOut">
               <a:rPr lang="ko-KR" altLang="en-US" smtClean="0"/>
-              <a:t>2018-03-27</a:t>
+              <a:t>2018-03-30</a:t>
             </a:fld>
             <a:endParaRPr lang="ko-KR" altLang="en-US"/>
           </a:p>
@@ -1733,7 +1733,7 @@
           <a:p>
             <a:fld id="{0E659420-4C1C-4DAB-847A-BA038E71BC62}" type="datetimeFigureOut">
               <a:rPr lang="ko-KR" altLang="en-US" smtClean="0"/>
-              <a:t>2018-03-27</a:t>
+              <a:t>2018-03-30</a:t>
             </a:fld>
             <a:endParaRPr lang="ko-KR" altLang="en-US"/>
           </a:p>
@@ -1828,7 +1828,7 @@
           <a:p>
             <a:fld id="{0E659420-4C1C-4DAB-847A-BA038E71BC62}" type="datetimeFigureOut">
               <a:rPr lang="ko-KR" altLang="en-US" smtClean="0"/>
-              <a:t>2018-03-27</a:t>
+              <a:t>2018-03-30</a:t>
             </a:fld>
             <a:endParaRPr lang="ko-KR" altLang="en-US"/>
           </a:p>
@@ -2105,7 +2105,7 @@
           <a:p>
             <a:fld id="{0E659420-4C1C-4DAB-847A-BA038E71BC62}" type="datetimeFigureOut">
               <a:rPr lang="ko-KR" altLang="en-US" smtClean="0"/>
-              <a:t>2018-03-27</a:t>
+              <a:t>2018-03-30</a:t>
             </a:fld>
             <a:endParaRPr lang="ko-KR" altLang="en-US"/>
           </a:p>
@@ -2358,7 +2358,7 @@
           <a:p>
             <a:fld id="{0E659420-4C1C-4DAB-847A-BA038E71BC62}" type="datetimeFigureOut">
               <a:rPr lang="ko-KR" altLang="en-US" smtClean="0"/>
-              <a:t>2018-03-27</a:t>
+              <a:t>2018-03-30</a:t>
             </a:fld>
             <a:endParaRPr lang="ko-KR" altLang="en-US"/>
           </a:p>
@@ -2571,7 +2571,7 @@
           <a:p>
             <a:fld id="{0E659420-4C1C-4DAB-847A-BA038E71BC62}" type="datetimeFigureOut">
               <a:rPr lang="ko-KR" altLang="en-US" smtClean="0"/>
-              <a:t>2018-03-27</a:t>
+              <a:t>2018-03-30</a:t>
             </a:fld>
             <a:endParaRPr lang="ko-KR" altLang="en-US"/>
           </a:p>
@@ -11374,47 +11374,6 @@
       </p:sp>
       <p:sp>
         <p:nvSpPr>
-          <p:cNvPr id="49" name="TextBox 48"/>
-          <p:cNvSpPr txBox="1"/>
-          <p:nvPr/>
-        </p:nvSpPr>
-        <p:spPr>
-          <a:xfrm>
-            <a:off x="3656756" y="2172221"/>
-            <a:ext cx="6632008" cy="369332"/>
-          </a:xfrm>
-          <a:prstGeom prst="rect">
-            <a:avLst/>
-          </a:prstGeom>
-          <a:noFill/>
-        </p:spPr>
-        <p:txBody>
-          <a:bodyPr wrap="none" rtlCol="0">
-            <a:spAutoFit/>
-          </a:bodyPr>
-          <a:lstStyle/>
-          <a:p>
-            <a:r>
-              <a:rPr lang="en-US" altLang="ko-KR" dirty="0" smtClean="0"/>
-              <a:t>LEFT : </a:t>
-            </a:r>
-            <a:r>
-              <a:rPr lang="en-US" altLang="ko-KR" dirty="0"/>
-              <a:t>7</a:t>
-            </a:r>
-            <a:r>
-              <a:rPr lang="en-US" altLang="ko-KR" dirty="0" smtClean="0"/>
-              <a:t>                                               RIGHT : </a:t>
-            </a:r>
-            <a:r>
-              <a:rPr lang="ko-KR" altLang="en-US" dirty="0"/>
-              <a:t>진입금지</a:t>
-            </a:r>
-          </a:p>
-        </p:txBody>
-      </p:sp>
-      <p:sp>
-        <p:nvSpPr>
           <p:cNvPr id="50" name="TextBox 49"/>
           <p:cNvSpPr txBox="1"/>
           <p:nvPr/>
